--- a/02.02 Link Strategy and BA.pptx
+++ b/02.02 Link Strategy and BA.pptx
@@ -5,23 +5,24 @@
     <p:sldMasterId id="2147483809" r:id="rId1"/>
   </p:sldMasterIdLst>
   <p:notesMasterIdLst>
-    <p:notesMasterId r:id="rId13"/>
+    <p:notesMasterId r:id="rId14"/>
   </p:notesMasterIdLst>
   <p:handoutMasterIdLst>
-    <p:handoutMasterId r:id="rId14"/>
+    <p:handoutMasterId r:id="rId15"/>
   </p:handoutMasterIdLst>
   <p:sldIdLst>
     <p:sldId id="280" r:id="rId2"/>
     <p:sldId id="302" r:id="rId3"/>
     <p:sldId id="303" r:id="rId4"/>
     <p:sldId id="304" r:id="rId5"/>
-    <p:sldId id="305" r:id="rId6"/>
-    <p:sldId id="306" r:id="rId7"/>
-    <p:sldId id="307" r:id="rId8"/>
-    <p:sldId id="308" r:id="rId9"/>
-    <p:sldId id="309" r:id="rId10"/>
-    <p:sldId id="310" r:id="rId11"/>
-    <p:sldId id="301" r:id="rId12"/>
+    <p:sldId id="311" r:id="rId6"/>
+    <p:sldId id="305" r:id="rId7"/>
+    <p:sldId id="306" r:id="rId8"/>
+    <p:sldId id="307" r:id="rId9"/>
+    <p:sldId id="308" r:id="rId10"/>
+    <p:sldId id="309" r:id="rId11"/>
+    <p:sldId id="310" r:id="rId12"/>
+    <p:sldId id="301" r:id="rId13"/>
   </p:sldIdLst>
   <p:sldSz cx="23409275" cy="13166725"/>
   <p:notesSz cx="6858000" cy="9144000"/>
@@ -254,7 +255,7 @@
           <a:p>
             <a:fld id="{B6BED862-AF33-0947-A601-FA6040CBDB50}" type="datetimeFigureOut">
               <a:rPr lang="en-US" smtClean="0"/>
-              <a:t>6/20/19</a:t>
+              <a:t>6/21/19</a:t>
             </a:fld>
             <a:endParaRPr lang="en-US" dirty="0"/>
           </a:p>
@@ -387,17 +388,17 @@
           <a:effectLst/>
           <a:extLst>
             <a:ext uri="{FAA26D3D-D897-4be2-8F04-BA451C77F1D7}">
-              <ma14:placeholderFlag xmlns="" xmlns:ma14="http://schemas.microsoft.com/office/mac/drawingml/2011/main" val="1"/>
+              <ma14:placeholderFlag xmlns:ma14="http://schemas.microsoft.com/office/mac/drawingml/2011/main" xmlns="" val="1"/>
             </a:ext>
             <a:ext uri="{909E8E84-426E-40dd-AFC4-6F175D3DCCD1}">
-              <a14:hiddenFill xmlns:a14="http://schemas.microsoft.com/office/drawing/2010/main" xmlns="">
+              <a14:hiddenFill xmlns="" xmlns:a14="http://schemas.microsoft.com/office/drawing/2010/main">
                 <a:solidFill>
                   <a:schemeClr val="accent1"/>
                 </a:solidFill>
               </a14:hiddenFill>
             </a:ext>
             <a:ext uri="{91240B29-F687-4f45-9708-019B960494DF}">
-              <a14:hiddenLine xmlns:a14="http://schemas.microsoft.com/office/drawing/2010/main" xmlns="" w="9525">
+              <a14:hiddenLine xmlns="" xmlns:a14="http://schemas.microsoft.com/office/drawing/2010/main" w="9525">
                 <a:solidFill>
                   <a:schemeClr val="tx1"/>
                 </a:solidFill>
@@ -407,7 +408,7 @@
               </a14:hiddenLine>
             </a:ext>
             <a:ext uri="{AF507438-7753-43e0-B8FC-AC1667EBCBE1}">
-              <a14:hiddenEffects xmlns:a14="http://schemas.microsoft.com/office/drawing/2010/main" xmlns="">
+              <a14:hiddenEffects xmlns="" xmlns:a14="http://schemas.microsoft.com/office/drawing/2010/main">
                 <a:effectLst>
                   <a:outerShdw blurRad="63500" dist="38099" dir="2700000" algn="ctr" rotWithShape="0">
                     <a:schemeClr val="bg2">
@@ -466,17 +467,17 @@
           <a:effectLst/>
           <a:extLst>
             <a:ext uri="{FAA26D3D-D897-4be2-8F04-BA451C77F1D7}">
-              <ma14:placeholderFlag xmlns="" xmlns:ma14="http://schemas.microsoft.com/office/mac/drawingml/2011/main" val="1"/>
+              <ma14:placeholderFlag xmlns:ma14="http://schemas.microsoft.com/office/mac/drawingml/2011/main" xmlns="" val="1"/>
             </a:ext>
             <a:ext uri="{909E8E84-426E-40dd-AFC4-6F175D3DCCD1}">
-              <a14:hiddenFill xmlns:a14="http://schemas.microsoft.com/office/drawing/2010/main" xmlns="">
+              <a14:hiddenFill xmlns="" xmlns:a14="http://schemas.microsoft.com/office/drawing/2010/main">
                 <a:solidFill>
                   <a:schemeClr val="accent1"/>
                 </a:solidFill>
               </a14:hiddenFill>
             </a:ext>
             <a:ext uri="{91240B29-F687-4f45-9708-019B960494DF}">
-              <a14:hiddenLine xmlns:a14="http://schemas.microsoft.com/office/drawing/2010/main" xmlns="" w="9525">
+              <a14:hiddenLine xmlns="" xmlns:a14="http://schemas.microsoft.com/office/drawing/2010/main" w="9525">
                 <a:solidFill>
                   <a:schemeClr val="tx1"/>
                 </a:solidFill>
@@ -486,7 +487,7 @@
               </a14:hiddenLine>
             </a:ext>
             <a:ext uri="{AF507438-7753-43e0-B8FC-AC1667EBCBE1}">
-              <a14:hiddenEffects xmlns:a14="http://schemas.microsoft.com/office/drawing/2010/main" xmlns="">
+              <a14:hiddenEffects xmlns="" xmlns:a14="http://schemas.microsoft.com/office/drawing/2010/main">
                 <a:effectLst>
                   <a:outerShdw blurRad="63500" dist="38099" dir="2700000" algn="ctr" rotWithShape="0">
                     <a:schemeClr val="bg2">
@@ -550,7 +551,7 @@
           <a:effectLst/>
           <a:extLst>
             <a:ext uri="{AF507438-7753-43e0-B8FC-AC1667EBCBE1}">
-              <a14:hiddenEffects xmlns:a14="http://schemas.microsoft.com/office/drawing/2010/main" xmlns="">
+              <a14:hiddenEffects xmlns="" xmlns:a14="http://schemas.microsoft.com/office/drawing/2010/main">
                 <a:effectLst>
                   <a:outerShdw blurRad="63500" dist="38099" dir="2700000" algn="ctr" rotWithShape="0">
                     <a:srgbClr val="000000">
@@ -561,7 +562,7 @@
               </a14:hiddenEffects>
             </a:ext>
             <a:ext uri="{53640926-AAD7-44d8-BBD7-CCE9431645EC}">
-              <a14:shadowObscured xmlns:a14="http://schemas.microsoft.com/office/drawing/2010/main" xmlns="" val="1"/>
+              <a14:shadowObscured xmlns="" xmlns:a14="http://schemas.microsoft.com/office/drawing/2010/main" val="1"/>
             </a:ext>
           </a:extLst>
         </p:spPr>
@@ -591,17 +592,17 @@
           <a:effectLst/>
           <a:extLst>
             <a:ext uri="{FAA26D3D-D897-4be2-8F04-BA451C77F1D7}">
-              <ma14:placeholderFlag xmlns="" xmlns:ma14="http://schemas.microsoft.com/office/mac/drawingml/2011/main" val="1"/>
+              <ma14:placeholderFlag xmlns:ma14="http://schemas.microsoft.com/office/mac/drawingml/2011/main" xmlns="" val="1"/>
             </a:ext>
             <a:ext uri="{909E8E84-426E-40dd-AFC4-6F175D3DCCD1}">
-              <a14:hiddenFill xmlns:a14="http://schemas.microsoft.com/office/drawing/2010/main" xmlns="">
+              <a14:hiddenFill xmlns="" xmlns:a14="http://schemas.microsoft.com/office/drawing/2010/main">
                 <a:solidFill>
                   <a:schemeClr val="accent1"/>
                 </a:solidFill>
               </a14:hiddenFill>
             </a:ext>
             <a:ext uri="{91240B29-F687-4f45-9708-019B960494DF}">
-              <a14:hiddenLine xmlns:a14="http://schemas.microsoft.com/office/drawing/2010/main" xmlns="" w="9525">
+              <a14:hiddenLine xmlns="" xmlns:a14="http://schemas.microsoft.com/office/drawing/2010/main" w="9525">
                 <a:solidFill>
                   <a:schemeClr val="tx1"/>
                 </a:solidFill>
@@ -611,7 +612,7 @@
               </a14:hiddenLine>
             </a:ext>
             <a:ext uri="{AF507438-7753-43e0-B8FC-AC1667EBCBE1}">
-              <a14:hiddenEffects xmlns:a14="http://schemas.microsoft.com/office/drawing/2010/main" xmlns="">
+              <a14:hiddenEffects xmlns="" xmlns:a14="http://schemas.microsoft.com/office/drawing/2010/main">
                 <a:effectLst>
                   <a:outerShdw blurRad="63500" dist="38099" dir="2700000" algn="ctr" rotWithShape="0">
                     <a:schemeClr val="bg2">
@@ -692,17 +693,17 @@
           <a:effectLst/>
           <a:extLst>
             <a:ext uri="{FAA26D3D-D897-4be2-8F04-BA451C77F1D7}">
-              <ma14:placeholderFlag xmlns="" xmlns:ma14="http://schemas.microsoft.com/office/mac/drawingml/2011/main" val="1"/>
+              <ma14:placeholderFlag xmlns:ma14="http://schemas.microsoft.com/office/mac/drawingml/2011/main" xmlns="" val="1"/>
             </a:ext>
             <a:ext uri="{909E8E84-426E-40dd-AFC4-6F175D3DCCD1}">
-              <a14:hiddenFill xmlns:a14="http://schemas.microsoft.com/office/drawing/2010/main" xmlns="">
+              <a14:hiddenFill xmlns="" xmlns:a14="http://schemas.microsoft.com/office/drawing/2010/main">
                 <a:solidFill>
                   <a:schemeClr val="accent1"/>
                 </a:solidFill>
               </a14:hiddenFill>
             </a:ext>
             <a:ext uri="{91240B29-F687-4f45-9708-019B960494DF}">
-              <a14:hiddenLine xmlns:a14="http://schemas.microsoft.com/office/drawing/2010/main" xmlns="" w="9525">
+              <a14:hiddenLine xmlns="" xmlns:a14="http://schemas.microsoft.com/office/drawing/2010/main" w="9525">
                 <a:solidFill>
                   <a:schemeClr val="tx1"/>
                 </a:solidFill>
@@ -712,7 +713,7 @@
               </a14:hiddenLine>
             </a:ext>
             <a:ext uri="{AF507438-7753-43e0-B8FC-AC1667EBCBE1}">
-              <a14:hiddenEffects xmlns:a14="http://schemas.microsoft.com/office/drawing/2010/main" xmlns="">
+              <a14:hiddenEffects xmlns="" xmlns:a14="http://schemas.microsoft.com/office/drawing/2010/main">
                 <a:effectLst>
                   <a:outerShdw blurRad="63500" dist="38099" dir="2700000" algn="ctr" rotWithShape="0">
                     <a:schemeClr val="bg2">
@@ -771,17 +772,17 @@
           <a:effectLst/>
           <a:extLst>
             <a:ext uri="{FAA26D3D-D897-4be2-8F04-BA451C77F1D7}">
-              <ma14:placeholderFlag xmlns="" xmlns:ma14="http://schemas.microsoft.com/office/mac/drawingml/2011/main" val="1"/>
+              <ma14:placeholderFlag xmlns:ma14="http://schemas.microsoft.com/office/mac/drawingml/2011/main" xmlns="" val="1"/>
             </a:ext>
             <a:ext uri="{909E8E84-426E-40dd-AFC4-6F175D3DCCD1}">
-              <a14:hiddenFill xmlns:a14="http://schemas.microsoft.com/office/drawing/2010/main" xmlns="">
+              <a14:hiddenFill xmlns="" xmlns:a14="http://schemas.microsoft.com/office/drawing/2010/main">
                 <a:solidFill>
                   <a:schemeClr val="accent1"/>
                 </a:solidFill>
               </a14:hiddenFill>
             </a:ext>
             <a:ext uri="{91240B29-F687-4f45-9708-019B960494DF}">
-              <a14:hiddenLine xmlns:a14="http://schemas.microsoft.com/office/drawing/2010/main" xmlns="" w="9525">
+              <a14:hiddenLine xmlns="" xmlns:a14="http://schemas.microsoft.com/office/drawing/2010/main" w="9525">
                 <a:solidFill>
                   <a:schemeClr val="tx1"/>
                 </a:solidFill>
@@ -791,7 +792,7 @@
               </a14:hiddenLine>
             </a:ext>
             <a:ext uri="{AF507438-7753-43e0-B8FC-AC1667EBCBE1}">
-              <a14:hiddenEffects xmlns:a14="http://schemas.microsoft.com/office/drawing/2010/main" xmlns="">
+              <a14:hiddenEffects xmlns="" xmlns:a14="http://schemas.microsoft.com/office/drawing/2010/main">
                 <a:effectLst>
                   <a:outerShdw blurRad="63500" dist="38099" dir="2700000" algn="ctr" rotWithShape="0">
                     <a:schemeClr val="bg2">
@@ -1636,7 +1637,7 @@
               </a14:hiddenLine>
             </a:ext>
             <a:ext uri="{FAA26D3D-D897-4be2-8F04-BA451C77F1D7}">
-              <ma14:placeholderFlag xmlns="" xmlns:ma14="http://schemas.microsoft.com/office/mac/drawingml/2011/main" val="1"/>
+              <ma14:placeholderFlag xmlns:ma14="http://schemas.microsoft.com/office/mac/drawingml/2011/main" xmlns="" val="1"/>
             </a:ext>
           </a:extLst>
         </p:spPr>
@@ -2558,14 +2559,14 @@
           </a:ln>
           <a:extLst>
             <a:ext uri="{909E8E84-426E-40dd-AFC4-6F175D3DCCD1}">
-              <a14:hiddenFill xmlns:a14="http://schemas.microsoft.com/office/drawing/2010/main" xmlns="">
+              <a14:hiddenFill xmlns="" xmlns:a14="http://schemas.microsoft.com/office/drawing/2010/main">
                 <a:solidFill>
                   <a:srgbClr val="FFFFFF"/>
                 </a:solidFill>
               </a14:hiddenFill>
             </a:ext>
             <a:ext uri="{91240B29-F687-4f45-9708-019B960494DF}">
-              <a14:hiddenLine xmlns:a14="http://schemas.microsoft.com/office/drawing/2010/main" xmlns="" w="9525">
+              <a14:hiddenLine xmlns="" xmlns:a14="http://schemas.microsoft.com/office/drawing/2010/main" w="9525">
                 <a:solidFill>
                   <a:srgbClr val="000000"/>
                 </a:solidFill>
@@ -2714,6 +2715,81 @@
 </file>
 
 <file path=ppt/slides/slide10.xml><?xml version="1.0" encoding="utf-8"?>
+<p:sld xmlns:a="http://schemas.openxmlformats.org/drawingml/2006/main" xmlns:r="http://schemas.openxmlformats.org/officeDocument/2006/relationships" xmlns:p="http://schemas.openxmlformats.org/presentationml/2006/main">
+  <p:cSld>
+    <p:spTree>
+      <p:nvGrpSpPr>
+        <p:cNvPr id="1" name=""/>
+        <p:cNvGrpSpPr/>
+        <p:nvPr/>
+      </p:nvGrpSpPr>
+      <p:grpSpPr>
+        <a:xfrm>
+          <a:off x="0" y="0"/>
+          <a:ext cx="0" cy="0"/>
+          <a:chOff x="0" y="0"/>
+          <a:chExt cx="0" cy="0"/>
+        </a:xfrm>
+      </p:grpSpPr>
+      <p:sp>
+        <p:nvSpPr>
+          <p:cNvPr id="3" name="Rectangle 2">
+            <a:extLst>
+              <a:ext uri="{FF2B5EF4-FFF2-40B4-BE49-F238E27FC236}">
+                <a16:creationId xmlns:a16="http://schemas.microsoft.com/office/drawing/2014/main" id="{B1579505-889B-1D41-94D7-31EECEB260E6}"/>
+              </a:ext>
+            </a:extLst>
+          </p:cNvPr>
+          <p:cNvSpPr/>
+          <p:nvPr/>
+        </p:nvSpPr>
+        <p:spPr>
+          <a:xfrm>
+            <a:off x="3932237" y="563562"/>
+            <a:ext cx="17435224" cy="1200329"/>
+          </a:xfrm>
+          <a:prstGeom prst="rect">
+            <a:avLst/>
+          </a:prstGeom>
+        </p:spPr>
+        <p:txBody>
+          <a:bodyPr wrap="square">
+            <a:spAutoFit/>
+          </a:bodyPr>
+          <a:lstStyle/>
+          <a:p>
+            <a:r>
+              <a:rPr lang="en-US" sz="3600" dirty="0">
+                <a:solidFill>
+                  <a:srgbClr val="000000"/>
+                </a:solidFill>
+                <a:latin typeface="Arial" panose="020B0604020202020204" pitchFamily="34" charset="0"/>
+                <a:cs typeface="Arial" panose="020B0604020202020204" pitchFamily="34" charset="0"/>
+              </a:rPr>
+              <a:t>It is essential to coordinate the activities in the organization so that they are all moving in the same direction</a:t>
+            </a:r>
+            <a:endParaRPr lang="en-US" sz="3600" dirty="0">
+              <a:latin typeface="Arial" panose="020B0604020202020204" pitchFamily="34" charset="0"/>
+              <a:cs typeface="Arial" panose="020B0604020202020204" pitchFamily="34" charset="0"/>
+            </a:endParaRPr>
+          </a:p>
+        </p:txBody>
+      </p:sp>
+    </p:spTree>
+    <p:extLst>
+      <p:ext uri="{BB962C8B-B14F-4D97-AF65-F5344CB8AC3E}">
+        <p14:creationId xmlns:p14="http://schemas.microsoft.com/office/powerpoint/2010/main" val="4034015134"/>
+      </p:ext>
+    </p:extLst>
+  </p:cSld>
+  <p:clrMapOvr>
+    <a:masterClrMapping/>
+  </p:clrMapOvr>
+  <p:transition/>
+</p:sld>
+</file>
+
+<file path=ppt/slides/slide11.xml><?xml version="1.0" encoding="utf-8"?>
 <p:sld xmlns:a="http://schemas.openxmlformats.org/drawingml/2006/main" xmlns:r="http://schemas.openxmlformats.org/officeDocument/2006/relationships" xmlns:p="http://schemas.openxmlformats.org/presentationml/2006/main">
   <p:cSld>
     <p:spTree>
@@ -2900,7 +2976,7 @@
 </p:sld>
 </file>
 
-<file path=ppt/slides/slide11.xml><?xml version="1.0" encoding="utf-8"?>
+<file path=ppt/slides/slide12.xml><?xml version="1.0" encoding="utf-8"?>
 <p:sld xmlns:a="http://schemas.openxmlformats.org/drawingml/2006/main" xmlns:r="http://schemas.openxmlformats.org/officeDocument/2006/relationships" xmlns:p="http://schemas.openxmlformats.org/presentationml/2006/main">
   <p:cSld>
     <p:spTree>
@@ -3747,360 +3823,6 @@
           </a:p>
         </p:txBody>
       </p:sp>
-      <p:sp>
-        <p:nvSpPr>
-          <p:cNvPr id="5" name="Oval 4">
-            <a:extLst>
-              <a:ext uri="{FF2B5EF4-FFF2-40B4-BE49-F238E27FC236}">
-                <a16:creationId xmlns:a16="http://schemas.microsoft.com/office/drawing/2014/main" id="{A746F7BB-DB00-744F-918C-E1FB3FD63114}"/>
-              </a:ext>
-            </a:extLst>
-          </p:cNvPr>
-          <p:cNvSpPr/>
-          <p:nvPr/>
-        </p:nvSpPr>
-        <p:spPr>
-          <a:xfrm>
-            <a:off x="6218237" y="2087562"/>
-            <a:ext cx="9829800" cy="9829800"/>
-          </a:xfrm>
-          <a:prstGeom prst="ellipse">
-            <a:avLst/>
-          </a:prstGeom>
-          <a:noFill/>
-          <a:ln w="38100">
-            <a:solidFill>
-              <a:schemeClr val="tx1">
-                <a:lumMod val="85000"/>
-                <a:lumOff val="15000"/>
-              </a:schemeClr>
-            </a:solidFill>
-          </a:ln>
-          <a:effectLst/>
-        </p:spPr>
-        <p:style>
-          <a:lnRef idx="1">
-            <a:schemeClr val="accent1"/>
-          </a:lnRef>
-          <a:fillRef idx="3">
-            <a:schemeClr val="accent1"/>
-          </a:fillRef>
-          <a:effectRef idx="2">
-            <a:schemeClr val="accent1"/>
-          </a:effectRef>
-          <a:fontRef idx="minor">
-            <a:schemeClr val="lt1"/>
-          </a:fontRef>
-        </p:style>
-        <p:txBody>
-          <a:bodyPr rtlCol="0" anchor="ctr"/>
-          <a:lstStyle/>
-          <a:p>
-            <a:pPr algn="ctr"/>
-            <a:endParaRPr lang="en-US"/>
-          </a:p>
-        </p:txBody>
-      </p:sp>
-      <p:sp>
-        <p:nvSpPr>
-          <p:cNvPr id="6" name="Oval 5">
-            <a:extLst>
-              <a:ext uri="{FF2B5EF4-FFF2-40B4-BE49-F238E27FC236}">
-                <a16:creationId xmlns:a16="http://schemas.microsoft.com/office/drawing/2014/main" id="{7966C2DD-006D-F04E-9178-16C2B622F889}"/>
-              </a:ext>
-            </a:extLst>
-          </p:cNvPr>
-          <p:cNvSpPr/>
-          <p:nvPr/>
-        </p:nvSpPr>
-        <p:spPr>
-          <a:xfrm>
-            <a:off x="7970837" y="3001962"/>
-            <a:ext cx="3200400" cy="3200400"/>
-          </a:xfrm>
-          <a:prstGeom prst="ellipse">
-            <a:avLst/>
-          </a:prstGeom>
-          <a:noFill/>
-          <a:ln w="38100">
-            <a:solidFill>
-              <a:schemeClr val="tx1">
-                <a:lumMod val="85000"/>
-                <a:lumOff val="15000"/>
-              </a:schemeClr>
-            </a:solidFill>
-          </a:ln>
-          <a:effectLst/>
-        </p:spPr>
-        <p:style>
-          <a:lnRef idx="1">
-            <a:schemeClr val="accent1"/>
-          </a:lnRef>
-          <a:fillRef idx="3">
-            <a:schemeClr val="accent1"/>
-          </a:fillRef>
-          <a:effectRef idx="2">
-            <a:schemeClr val="accent1"/>
-          </a:effectRef>
-          <a:fontRef idx="minor">
-            <a:schemeClr val="lt1"/>
-          </a:fontRef>
-        </p:style>
-        <p:txBody>
-          <a:bodyPr rtlCol="0" anchor="ctr"/>
-          <a:lstStyle/>
-          <a:p>
-            <a:pPr algn="ctr"/>
-            <a:r>
-              <a:rPr lang="en-US" sz="4000" dirty="0">
-                <a:solidFill>
-                  <a:schemeClr val="tx1">
-                    <a:lumMod val="85000"/>
-                    <a:lumOff val="15000"/>
-                  </a:schemeClr>
-                </a:solidFill>
-              </a:rPr>
-              <a:t>HR</a:t>
-            </a:r>
-          </a:p>
-        </p:txBody>
-      </p:sp>
-      <p:sp>
-        <p:nvSpPr>
-          <p:cNvPr id="7" name="Oval 6">
-            <a:extLst>
-              <a:ext uri="{FF2B5EF4-FFF2-40B4-BE49-F238E27FC236}">
-                <a16:creationId xmlns:a16="http://schemas.microsoft.com/office/drawing/2014/main" id="{69E5FB35-E9A7-1842-B54A-31E96AB0D5D6}"/>
-              </a:ext>
-            </a:extLst>
-          </p:cNvPr>
-          <p:cNvSpPr/>
-          <p:nvPr/>
-        </p:nvSpPr>
-        <p:spPr>
-          <a:xfrm>
-            <a:off x="6980237" y="6278562"/>
-            <a:ext cx="3200400" cy="3200400"/>
-          </a:xfrm>
-          <a:prstGeom prst="ellipse">
-            <a:avLst/>
-          </a:prstGeom>
-          <a:noFill/>
-          <a:ln w="38100">
-            <a:solidFill>
-              <a:schemeClr val="tx1">
-                <a:lumMod val="85000"/>
-                <a:lumOff val="15000"/>
-              </a:schemeClr>
-            </a:solidFill>
-          </a:ln>
-          <a:effectLst/>
-        </p:spPr>
-        <p:style>
-          <a:lnRef idx="1">
-            <a:schemeClr val="accent1"/>
-          </a:lnRef>
-          <a:fillRef idx="3">
-            <a:schemeClr val="accent1"/>
-          </a:fillRef>
-          <a:effectRef idx="2">
-            <a:schemeClr val="accent1"/>
-          </a:effectRef>
-          <a:fontRef idx="minor">
-            <a:schemeClr val="lt1"/>
-          </a:fontRef>
-        </p:style>
-        <p:txBody>
-          <a:bodyPr rtlCol="0" anchor="ctr"/>
-          <a:lstStyle/>
-          <a:p>
-            <a:pPr algn="ctr"/>
-            <a:r>
-              <a:rPr lang="en-US" sz="4000" dirty="0" err="1">
-                <a:solidFill>
-                  <a:schemeClr val="tx1">
-                    <a:lumMod val="85000"/>
-                    <a:lumOff val="15000"/>
-                  </a:schemeClr>
-                </a:solidFill>
-              </a:rPr>
-              <a:t>Eng</a:t>
-            </a:r>
-            <a:endParaRPr lang="en-US" sz="4000" dirty="0">
-              <a:solidFill>
-                <a:schemeClr val="tx1">
-                  <a:lumMod val="85000"/>
-                  <a:lumOff val="15000"/>
-                </a:schemeClr>
-              </a:solidFill>
-            </a:endParaRPr>
-          </a:p>
-        </p:txBody>
-      </p:sp>
-      <p:sp>
-        <p:nvSpPr>
-          <p:cNvPr id="8" name="Oval 7">
-            <a:extLst>
-              <a:ext uri="{FF2B5EF4-FFF2-40B4-BE49-F238E27FC236}">
-                <a16:creationId xmlns:a16="http://schemas.microsoft.com/office/drawing/2014/main" id="{164FD55D-935E-E544-8941-E2CB4EE7619D}"/>
-              </a:ext>
-            </a:extLst>
-          </p:cNvPr>
-          <p:cNvSpPr/>
-          <p:nvPr/>
-        </p:nvSpPr>
-        <p:spPr>
-          <a:xfrm>
-            <a:off x="11287458" y="4144962"/>
-            <a:ext cx="3200400" cy="3200400"/>
-          </a:xfrm>
-          <a:prstGeom prst="ellipse">
-            <a:avLst/>
-          </a:prstGeom>
-          <a:noFill/>
-          <a:ln w="38100">
-            <a:solidFill>
-              <a:schemeClr val="tx1">
-                <a:lumMod val="85000"/>
-                <a:lumOff val="15000"/>
-              </a:schemeClr>
-            </a:solidFill>
-          </a:ln>
-          <a:effectLst/>
-        </p:spPr>
-        <p:style>
-          <a:lnRef idx="1">
-            <a:schemeClr val="accent1"/>
-          </a:lnRef>
-          <a:fillRef idx="3">
-            <a:schemeClr val="accent1"/>
-          </a:fillRef>
-          <a:effectRef idx="2">
-            <a:schemeClr val="accent1"/>
-          </a:effectRef>
-          <a:fontRef idx="minor">
-            <a:schemeClr val="lt1"/>
-          </a:fontRef>
-        </p:style>
-        <p:txBody>
-          <a:bodyPr rtlCol="0" anchor="ctr"/>
-          <a:lstStyle/>
-          <a:p>
-            <a:pPr algn="ctr"/>
-            <a:r>
-              <a:rPr lang="en-US" sz="4000" dirty="0">
-                <a:solidFill>
-                  <a:schemeClr val="tx1">
-                    <a:lumMod val="85000"/>
-                    <a:lumOff val="15000"/>
-                  </a:schemeClr>
-                </a:solidFill>
-              </a:rPr>
-              <a:t>Sales</a:t>
-            </a:r>
-          </a:p>
-        </p:txBody>
-      </p:sp>
-      <p:sp>
-        <p:nvSpPr>
-          <p:cNvPr id="9" name="Oval 8">
-            <a:extLst>
-              <a:ext uri="{FF2B5EF4-FFF2-40B4-BE49-F238E27FC236}">
-                <a16:creationId xmlns:a16="http://schemas.microsoft.com/office/drawing/2014/main" id="{F348FDAC-1DEC-0D49-82BB-CB7CB17F5EF7}"/>
-              </a:ext>
-            </a:extLst>
-          </p:cNvPr>
-          <p:cNvSpPr/>
-          <p:nvPr/>
-        </p:nvSpPr>
-        <p:spPr>
-          <a:xfrm>
-            <a:off x="10333038" y="7802562"/>
-            <a:ext cx="3200400" cy="3200400"/>
-          </a:xfrm>
-          <a:prstGeom prst="ellipse">
-            <a:avLst/>
-          </a:prstGeom>
-          <a:noFill/>
-          <a:ln w="38100">
-            <a:solidFill>
-              <a:schemeClr val="tx1">
-                <a:lumMod val="85000"/>
-                <a:lumOff val="15000"/>
-              </a:schemeClr>
-            </a:solidFill>
-          </a:ln>
-          <a:effectLst/>
-        </p:spPr>
-        <p:style>
-          <a:lnRef idx="1">
-            <a:schemeClr val="accent1"/>
-          </a:lnRef>
-          <a:fillRef idx="3">
-            <a:schemeClr val="accent1"/>
-          </a:fillRef>
-          <a:effectRef idx="2">
-            <a:schemeClr val="accent1"/>
-          </a:effectRef>
-          <a:fontRef idx="minor">
-            <a:schemeClr val="lt1"/>
-          </a:fontRef>
-        </p:style>
-        <p:txBody>
-          <a:bodyPr rtlCol="0" anchor="ctr"/>
-          <a:lstStyle/>
-          <a:p>
-            <a:pPr algn="ctr"/>
-            <a:r>
-              <a:rPr lang="en-US" sz="3600" dirty="0">
-                <a:solidFill>
-                  <a:schemeClr val="tx1">
-                    <a:lumMod val="85000"/>
-                    <a:lumOff val="15000"/>
-                  </a:schemeClr>
-                </a:solidFill>
-              </a:rPr>
-              <a:t>Marketing</a:t>
-            </a:r>
-          </a:p>
-        </p:txBody>
-      </p:sp>
-      <p:sp>
-        <p:nvSpPr>
-          <p:cNvPr id="10" name="TextBox 9">
-            <a:extLst>
-              <a:ext uri="{FF2B5EF4-FFF2-40B4-BE49-F238E27FC236}">
-                <a16:creationId xmlns:a16="http://schemas.microsoft.com/office/drawing/2014/main" id="{ADE6C085-6578-8C47-9B74-437E3699CE28}"/>
-              </a:ext>
-            </a:extLst>
-          </p:cNvPr>
-          <p:cNvSpPr txBox="1"/>
-          <p:nvPr/>
-        </p:nvSpPr>
-        <p:spPr>
-          <a:xfrm>
-            <a:off x="9028350" y="12027735"/>
-            <a:ext cx="4209573" cy="707886"/>
-          </a:xfrm>
-          <a:prstGeom prst="rect">
-            <a:avLst/>
-          </a:prstGeom>
-          <a:noFill/>
-        </p:spPr>
-        <p:txBody>
-          <a:bodyPr wrap="square" rtlCol="0">
-            <a:spAutoFit/>
-          </a:bodyPr>
-          <a:lstStyle/>
-          <a:p>
-            <a:pPr algn="ctr"/>
-            <a:r>
-              <a:rPr lang="en-US" sz="4000" dirty="0"/>
-              <a:t>Business</a:t>
-            </a:r>
-          </a:p>
-        </p:txBody>
-      </p:sp>
     </p:spTree>
     <p:extLst>
       <p:ext uri="{BB962C8B-B14F-4D97-AF65-F5344CB8AC3E}">
@@ -4240,17 +3962,13 @@
         </p:nvSpPr>
         <p:spPr>
           <a:xfrm>
-            <a:off x="4618037" y="3706812"/>
-            <a:ext cx="9525000" cy="6286500"/>
+            <a:off x="6218237" y="2087562"/>
+            <a:ext cx="9829800" cy="9829800"/>
           </a:xfrm>
           <a:prstGeom prst="ellipse">
             <a:avLst/>
           </a:prstGeom>
-          <a:solidFill>
-            <a:srgbClr val="109648">
-              <a:alpha val="60000"/>
-            </a:srgbClr>
-          </a:solidFill>
+          <a:noFill/>
           <a:ln w="38100">
             <a:solidFill>
               <a:schemeClr val="tx1">
@@ -4298,15 +4016,13 @@
         </p:nvSpPr>
         <p:spPr>
           <a:xfrm>
-            <a:off x="5790970" y="4443884"/>
-            <a:ext cx="3581400" cy="2057400"/>
+            <a:off x="7970837" y="3001962"/>
+            <a:ext cx="3200400" cy="3200400"/>
           </a:xfrm>
           <a:prstGeom prst="ellipse">
             <a:avLst/>
           </a:prstGeom>
-          <a:solidFill>
-            <a:srgbClr val="109648"/>
-          </a:solidFill>
+          <a:noFill/>
           <a:ln w="38100">
             <a:solidFill>
               <a:schemeClr val="tx1">
@@ -4364,15 +4080,13 @@
         </p:nvSpPr>
         <p:spPr>
           <a:xfrm>
-            <a:off x="6111748" y="6735762"/>
-            <a:ext cx="3007980" cy="2133600"/>
+            <a:off x="6980237" y="6278562"/>
+            <a:ext cx="3200400" cy="3200400"/>
           </a:xfrm>
           <a:prstGeom prst="ellipse">
             <a:avLst/>
           </a:prstGeom>
-          <a:solidFill>
-            <a:srgbClr val="109648"/>
-          </a:solidFill>
+          <a:noFill/>
           <a:ln w="38100">
             <a:solidFill>
               <a:schemeClr val="tx1">
@@ -4438,15 +4152,13 @@
         </p:nvSpPr>
         <p:spPr>
           <a:xfrm>
-            <a:off x="9625012" y="4497387"/>
-            <a:ext cx="3922379" cy="2514600"/>
+            <a:off x="11287458" y="4144962"/>
+            <a:ext cx="3200400" cy="3200400"/>
           </a:xfrm>
           <a:prstGeom prst="ellipse">
             <a:avLst/>
           </a:prstGeom>
-          <a:solidFill>
-            <a:srgbClr val="109648"/>
-          </a:solidFill>
+          <a:noFill/>
           <a:ln w="38100">
             <a:solidFill>
               <a:schemeClr val="tx1">
@@ -4504,15 +4216,13 @@
         </p:nvSpPr>
         <p:spPr>
           <a:xfrm>
-            <a:off x="9288003" y="7088743"/>
-            <a:ext cx="3809999" cy="1981200"/>
+            <a:off x="10333038" y="7802562"/>
+            <a:ext cx="3200400" cy="3200400"/>
           </a:xfrm>
           <a:prstGeom prst="ellipse">
             <a:avLst/>
           </a:prstGeom>
-          <a:solidFill>
-            <a:srgbClr val="109648"/>
-          </a:solidFill>
+          <a:noFill/>
           <a:ln w="38100">
             <a:solidFill>
               <a:schemeClr val="tx1">
@@ -4556,10 +4266,80 @@
           </a:p>
         </p:txBody>
       </p:sp>
+      <p:sp>
+        <p:nvSpPr>
+          <p:cNvPr id="10" name="TextBox 9">
+            <a:extLst>
+              <a:ext uri="{FF2B5EF4-FFF2-40B4-BE49-F238E27FC236}">
+                <a16:creationId xmlns:a16="http://schemas.microsoft.com/office/drawing/2014/main" id="{ADE6C085-6578-8C47-9B74-437E3699CE28}"/>
+              </a:ext>
+            </a:extLst>
+          </p:cNvPr>
+          <p:cNvSpPr txBox="1"/>
+          <p:nvPr/>
+        </p:nvSpPr>
+        <p:spPr>
+          <a:xfrm>
+            <a:off x="9028350" y="12027735"/>
+            <a:ext cx="4209573" cy="707886"/>
+          </a:xfrm>
+          <a:prstGeom prst="rect">
+            <a:avLst/>
+          </a:prstGeom>
+          <a:noFill/>
+        </p:spPr>
+        <p:txBody>
+          <a:bodyPr wrap="square" rtlCol="0">
+            <a:spAutoFit/>
+          </a:bodyPr>
+          <a:lstStyle/>
+          <a:p>
+            <a:pPr algn="ctr"/>
+            <a:r>
+              <a:rPr lang="en-US" sz="4000" dirty="0"/>
+              <a:t>Business</a:t>
+            </a:r>
+          </a:p>
+        </p:txBody>
+      </p:sp>
+      <p:sp>
+        <p:nvSpPr>
+          <p:cNvPr id="2" name="Rectangle 1">
+            <a:extLst>
+              <a:ext uri="{FF2B5EF4-FFF2-40B4-BE49-F238E27FC236}">
+                <a16:creationId xmlns:a16="http://schemas.microsoft.com/office/drawing/2014/main" id="{9B7C1CE2-6E01-1A4B-B4DC-BFD9B38E6214}"/>
+              </a:ext>
+            </a:extLst>
+          </p:cNvPr>
+          <p:cNvSpPr/>
+          <p:nvPr/>
+        </p:nvSpPr>
+        <p:spPr>
+          <a:xfrm>
+            <a:off x="17114837" y="630832"/>
+            <a:ext cx="5715000" cy="2554545"/>
+          </a:xfrm>
+          <a:prstGeom prst="rect">
+            <a:avLst/>
+          </a:prstGeom>
+        </p:spPr>
+        <p:txBody>
+          <a:bodyPr wrap="square">
+            <a:spAutoFit/>
+          </a:bodyPr>
+          <a:lstStyle/>
+          <a:p>
+            <a:r>
+              <a:rPr lang="en-US" sz="3200" dirty="0"/>
+              <a:t>Strategy’s purpose is to adapt each business area, resources and activities to the market in which the organization operates</a:t>
+            </a:r>
+          </a:p>
+        </p:txBody>
+      </p:sp>
     </p:spTree>
     <p:extLst>
       <p:ext uri="{BB962C8B-B14F-4D97-AF65-F5344CB8AC3E}">
-        <p14:creationId xmlns:p14="http://schemas.microsoft.com/office/powerpoint/2010/main" val="1517182508"/>
+        <p14:creationId xmlns:p14="http://schemas.microsoft.com/office/powerpoint/2010/main" val="1725878878"/>
       </p:ext>
     </p:extLst>
   </p:cSld>
@@ -4589,6 +4369,461 @@
       </p:grpSpPr>
       <p:sp>
         <p:nvSpPr>
+          <p:cNvPr id="3" name="Oval 2">
+            <a:extLst>
+              <a:ext uri="{FF2B5EF4-FFF2-40B4-BE49-F238E27FC236}">
+                <a16:creationId xmlns:a16="http://schemas.microsoft.com/office/drawing/2014/main" id="{FB41DE11-3335-5F46-AE9B-B620566D6233}"/>
+              </a:ext>
+            </a:extLst>
+          </p:cNvPr>
+          <p:cNvSpPr/>
+          <p:nvPr/>
+        </p:nvSpPr>
+        <p:spPr>
+          <a:xfrm>
+            <a:off x="2941637" y="3078162"/>
+            <a:ext cx="16611600" cy="7543800"/>
+          </a:xfrm>
+          <a:prstGeom prst="ellipse">
+            <a:avLst/>
+          </a:prstGeom>
+          <a:solidFill>
+            <a:srgbClr val="109648">
+              <a:alpha val="15000"/>
+            </a:srgbClr>
+          </a:solidFill>
+          <a:ln w="38100">
+            <a:solidFill>
+              <a:schemeClr val="tx1">
+                <a:lumMod val="85000"/>
+                <a:lumOff val="15000"/>
+              </a:schemeClr>
+            </a:solidFill>
+          </a:ln>
+          <a:effectLst/>
+        </p:spPr>
+        <p:style>
+          <a:lnRef idx="1">
+            <a:schemeClr val="accent1"/>
+          </a:lnRef>
+          <a:fillRef idx="3">
+            <a:schemeClr val="accent1"/>
+          </a:fillRef>
+          <a:effectRef idx="2">
+            <a:schemeClr val="accent1"/>
+          </a:effectRef>
+          <a:fontRef idx="minor">
+            <a:schemeClr val="lt1"/>
+          </a:fontRef>
+        </p:style>
+        <p:txBody>
+          <a:bodyPr rtlCol="0" anchor="ctr"/>
+          <a:lstStyle/>
+          <a:p>
+            <a:pPr algn="ctr"/>
+            <a:endParaRPr lang="en-US"/>
+          </a:p>
+        </p:txBody>
+      </p:sp>
+      <p:sp>
+        <p:nvSpPr>
+          <p:cNvPr id="4" name="TextBox 3">
+            <a:extLst>
+              <a:ext uri="{FF2B5EF4-FFF2-40B4-BE49-F238E27FC236}">
+                <a16:creationId xmlns:a16="http://schemas.microsoft.com/office/drawing/2014/main" id="{DB392D39-0F5E-F249-AE59-776BF70C21E1}"/>
+              </a:ext>
+            </a:extLst>
+          </p:cNvPr>
+          <p:cNvSpPr txBox="1"/>
+          <p:nvPr/>
+        </p:nvSpPr>
+        <p:spPr>
+          <a:xfrm>
+            <a:off x="8923337" y="1554162"/>
+            <a:ext cx="4648200" cy="707886"/>
+          </a:xfrm>
+          <a:prstGeom prst="rect">
+            <a:avLst/>
+          </a:prstGeom>
+          <a:noFill/>
+        </p:spPr>
+        <p:txBody>
+          <a:bodyPr wrap="square" rtlCol="0">
+            <a:spAutoFit/>
+          </a:bodyPr>
+          <a:lstStyle/>
+          <a:p>
+            <a:pPr algn="ctr"/>
+            <a:r>
+              <a:rPr lang="en-US" sz="4000" dirty="0"/>
+              <a:t>Your Market</a:t>
+            </a:r>
+          </a:p>
+        </p:txBody>
+      </p:sp>
+      <p:sp>
+        <p:nvSpPr>
+          <p:cNvPr id="5" name="Oval 4">
+            <a:extLst>
+              <a:ext uri="{FF2B5EF4-FFF2-40B4-BE49-F238E27FC236}">
+                <a16:creationId xmlns:a16="http://schemas.microsoft.com/office/drawing/2014/main" id="{A746F7BB-DB00-744F-918C-E1FB3FD63114}"/>
+              </a:ext>
+            </a:extLst>
+          </p:cNvPr>
+          <p:cNvSpPr/>
+          <p:nvPr/>
+        </p:nvSpPr>
+        <p:spPr>
+          <a:xfrm>
+            <a:off x="4618037" y="3706812"/>
+            <a:ext cx="9525000" cy="6286500"/>
+          </a:xfrm>
+          <a:prstGeom prst="ellipse">
+            <a:avLst/>
+          </a:prstGeom>
+          <a:solidFill>
+            <a:srgbClr val="109648">
+              <a:alpha val="60000"/>
+            </a:srgbClr>
+          </a:solidFill>
+          <a:ln w="38100">
+            <a:solidFill>
+              <a:schemeClr val="tx1">
+                <a:lumMod val="85000"/>
+                <a:lumOff val="15000"/>
+              </a:schemeClr>
+            </a:solidFill>
+          </a:ln>
+          <a:effectLst/>
+        </p:spPr>
+        <p:style>
+          <a:lnRef idx="1">
+            <a:schemeClr val="accent1"/>
+          </a:lnRef>
+          <a:fillRef idx="3">
+            <a:schemeClr val="accent1"/>
+          </a:fillRef>
+          <a:effectRef idx="2">
+            <a:schemeClr val="accent1"/>
+          </a:effectRef>
+          <a:fontRef idx="minor">
+            <a:schemeClr val="lt1"/>
+          </a:fontRef>
+        </p:style>
+        <p:txBody>
+          <a:bodyPr rtlCol="0" anchor="ctr"/>
+          <a:lstStyle/>
+          <a:p>
+            <a:pPr algn="ctr"/>
+            <a:endParaRPr lang="en-US"/>
+          </a:p>
+        </p:txBody>
+      </p:sp>
+      <p:sp>
+        <p:nvSpPr>
+          <p:cNvPr id="6" name="Oval 5">
+            <a:extLst>
+              <a:ext uri="{FF2B5EF4-FFF2-40B4-BE49-F238E27FC236}">
+                <a16:creationId xmlns:a16="http://schemas.microsoft.com/office/drawing/2014/main" id="{7966C2DD-006D-F04E-9178-16C2B622F889}"/>
+              </a:ext>
+            </a:extLst>
+          </p:cNvPr>
+          <p:cNvSpPr/>
+          <p:nvPr/>
+        </p:nvSpPr>
+        <p:spPr>
+          <a:xfrm>
+            <a:off x="5790970" y="4443884"/>
+            <a:ext cx="3581400" cy="2057400"/>
+          </a:xfrm>
+          <a:prstGeom prst="ellipse">
+            <a:avLst/>
+          </a:prstGeom>
+          <a:solidFill>
+            <a:srgbClr val="109648"/>
+          </a:solidFill>
+          <a:ln w="38100">
+            <a:solidFill>
+              <a:schemeClr val="tx1">
+                <a:lumMod val="85000"/>
+                <a:lumOff val="15000"/>
+              </a:schemeClr>
+            </a:solidFill>
+          </a:ln>
+          <a:effectLst/>
+        </p:spPr>
+        <p:style>
+          <a:lnRef idx="1">
+            <a:schemeClr val="accent1"/>
+          </a:lnRef>
+          <a:fillRef idx="3">
+            <a:schemeClr val="accent1"/>
+          </a:fillRef>
+          <a:effectRef idx="2">
+            <a:schemeClr val="accent1"/>
+          </a:effectRef>
+          <a:fontRef idx="minor">
+            <a:schemeClr val="lt1"/>
+          </a:fontRef>
+        </p:style>
+        <p:txBody>
+          <a:bodyPr rtlCol="0" anchor="ctr"/>
+          <a:lstStyle/>
+          <a:p>
+            <a:pPr algn="ctr"/>
+            <a:r>
+              <a:rPr lang="en-US" sz="4000" dirty="0">
+                <a:solidFill>
+                  <a:schemeClr val="tx1">
+                    <a:lumMod val="85000"/>
+                    <a:lumOff val="15000"/>
+                  </a:schemeClr>
+                </a:solidFill>
+              </a:rPr>
+              <a:t>HR</a:t>
+            </a:r>
+          </a:p>
+        </p:txBody>
+      </p:sp>
+      <p:sp>
+        <p:nvSpPr>
+          <p:cNvPr id="7" name="Oval 6">
+            <a:extLst>
+              <a:ext uri="{FF2B5EF4-FFF2-40B4-BE49-F238E27FC236}">
+                <a16:creationId xmlns:a16="http://schemas.microsoft.com/office/drawing/2014/main" id="{69E5FB35-E9A7-1842-B54A-31E96AB0D5D6}"/>
+              </a:ext>
+            </a:extLst>
+          </p:cNvPr>
+          <p:cNvSpPr/>
+          <p:nvPr/>
+        </p:nvSpPr>
+        <p:spPr>
+          <a:xfrm>
+            <a:off x="6111748" y="6735762"/>
+            <a:ext cx="3007980" cy="2133600"/>
+          </a:xfrm>
+          <a:prstGeom prst="ellipse">
+            <a:avLst/>
+          </a:prstGeom>
+          <a:solidFill>
+            <a:srgbClr val="109648"/>
+          </a:solidFill>
+          <a:ln w="38100">
+            <a:solidFill>
+              <a:schemeClr val="tx1">
+                <a:lumMod val="85000"/>
+                <a:lumOff val="15000"/>
+              </a:schemeClr>
+            </a:solidFill>
+          </a:ln>
+          <a:effectLst/>
+        </p:spPr>
+        <p:style>
+          <a:lnRef idx="1">
+            <a:schemeClr val="accent1"/>
+          </a:lnRef>
+          <a:fillRef idx="3">
+            <a:schemeClr val="accent1"/>
+          </a:fillRef>
+          <a:effectRef idx="2">
+            <a:schemeClr val="accent1"/>
+          </a:effectRef>
+          <a:fontRef idx="minor">
+            <a:schemeClr val="lt1"/>
+          </a:fontRef>
+        </p:style>
+        <p:txBody>
+          <a:bodyPr rtlCol="0" anchor="ctr"/>
+          <a:lstStyle/>
+          <a:p>
+            <a:pPr algn="ctr"/>
+            <a:r>
+              <a:rPr lang="en-US" sz="4000" dirty="0" err="1">
+                <a:solidFill>
+                  <a:schemeClr val="tx1">
+                    <a:lumMod val="85000"/>
+                    <a:lumOff val="15000"/>
+                  </a:schemeClr>
+                </a:solidFill>
+              </a:rPr>
+              <a:t>Eng</a:t>
+            </a:r>
+            <a:endParaRPr lang="en-US" sz="4000" dirty="0">
+              <a:solidFill>
+                <a:schemeClr val="tx1">
+                  <a:lumMod val="85000"/>
+                  <a:lumOff val="15000"/>
+                </a:schemeClr>
+              </a:solidFill>
+            </a:endParaRPr>
+          </a:p>
+        </p:txBody>
+      </p:sp>
+      <p:sp>
+        <p:nvSpPr>
+          <p:cNvPr id="8" name="Oval 7">
+            <a:extLst>
+              <a:ext uri="{FF2B5EF4-FFF2-40B4-BE49-F238E27FC236}">
+                <a16:creationId xmlns:a16="http://schemas.microsoft.com/office/drawing/2014/main" id="{164FD55D-935E-E544-8941-E2CB4EE7619D}"/>
+              </a:ext>
+            </a:extLst>
+          </p:cNvPr>
+          <p:cNvSpPr/>
+          <p:nvPr/>
+        </p:nvSpPr>
+        <p:spPr>
+          <a:xfrm>
+            <a:off x="9625012" y="4497387"/>
+            <a:ext cx="3922379" cy="2514600"/>
+          </a:xfrm>
+          <a:prstGeom prst="ellipse">
+            <a:avLst/>
+          </a:prstGeom>
+          <a:solidFill>
+            <a:srgbClr val="109648"/>
+          </a:solidFill>
+          <a:ln w="38100">
+            <a:solidFill>
+              <a:schemeClr val="tx1">
+                <a:lumMod val="85000"/>
+                <a:lumOff val="15000"/>
+              </a:schemeClr>
+            </a:solidFill>
+          </a:ln>
+          <a:effectLst/>
+        </p:spPr>
+        <p:style>
+          <a:lnRef idx="1">
+            <a:schemeClr val="accent1"/>
+          </a:lnRef>
+          <a:fillRef idx="3">
+            <a:schemeClr val="accent1"/>
+          </a:fillRef>
+          <a:effectRef idx="2">
+            <a:schemeClr val="accent1"/>
+          </a:effectRef>
+          <a:fontRef idx="minor">
+            <a:schemeClr val="lt1"/>
+          </a:fontRef>
+        </p:style>
+        <p:txBody>
+          <a:bodyPr rtlCol="0" anchor="ctr"/>
+          <a:lstStyle/>
+          <a:p>
+            <a:pPr algn="ctr"/>
+            <a:r>
+              <a:rPr lang="en-US" sz="4000" dirty="0">
+                <a:solidFill>
+                  <a:schemeClr val="tx1">
+                    <a:lumMod val="85000"/>
+                    <a:lumOff val="15000"/>
+                  </a:schemeClr>
+                </a:solidFill>
+              </a:rPr>
+              <a:t>Sales</a:t>
+            </a:r>
+          </a:p>
+        </p:txBody>
+      </p:sp>
+      <p:sp>
+        <p:nvSpPr>
+          <p:cNvPr id="9" name="Oval 8">
+            <a:extLst>
+              <a:ext uri="{FF2B5EF4-FFF2-40B4-BE49-F238E27FC236}">
+                <a16:creationId xmlns:a16="http://schemas.microsoft.com/office/drawing/2014/main" id="{F348FDAC-1DEC-0D49-82BB-CB7CB17F5EF7}"/>
+              </a:ext>
+            </a:extLst>
+          </p:cNvPr>
+          <p:cNvSpPr/>
+          <p:nvPr/>
+        </p:nvSpPr>
+        <p:spPr>
+          <a:xfrm>
+            <a:off x="9288003" y="7088743"/>
+            <a:ext cx="3809999" cy="1981200"/>
+          </a:xfrm>
+          <a:prstGeom prst="ellipse">
+            <a:avLst/>
+          </a:prstGeom>
+          <a:solidFill>
+            <a:srgbClr val="109648"/>
+          </a:solidFill>
+          <a:ln w="38100">
+            <a:solidFill>
+              <a:schemeClr val="tx1">
+                <a:lumMod val="85000"/>
+                <a:lumOff val="15000"/>
+              </a:schemeClr>
+            </a:solidFill>
+          </a:ln>
+          <a:effectLst/>
+        </p:spPr>
+        <p:style>
+          <a:lnRef idx="1">
+            <a:schemeClr val="accent1"/>
+          </a:lnRef>
+          <a:fillRef idx="3">
+            <a:schemeClr val="accent1"/>
+          </a:fillRef>
+          <a:effectRef idx="2">
+            <a:schemeClr val="accent1"/>
+          </a:effectRef>
+          <a:fontRef idx="minor">
+            <a:schemeClr val="lt1"/>
+          </a:fontRef>
+        </p:style>
+        <p:txBody>
+          <a:bodyPr rtlCol="0" anchor="ctr"/>
+          <a:lstStyle/>
+          <a:p>
+            <a:pPr algn="ctr"/>
+            <a:r>
+              <a:rPr lang="en-US" sz="3600" dirty="0">
+                <a:solidFill>
+                  <a:schemeClr val="tx1">
+                    <a:lumMod val="85000"/>
+                    <a:lumOff val="15000"/>
+                  </a:schemeClr>
+                </a:solidFill>
+              </a:rPr>
+              <a:t>Marketing</a:t>
+            </a:r>
+          </a:p>
+        </p:txBody>
+      </p:sp>
+    </p:spTree>
+    <p:extLst>
+      <p:ext uri="{BB962C8B-B14F-4D97-AF65-F5344CB8AC3E}">
+        <p14:creationId xmlns:p14="http://schemas.microsoft.com/office/powerpoint/2010/main" val="1517182508"/>
+      </p:ext>
+    </p:extLst>
+  </p:cSld>
+  <p:clrMapOvr>
+    <a:masterClrMapping/>
+  </p:clrMapOvr>
+  <p:transition/>
+</p:sld>
+</file>
+
+<file path=ppt/slides/slide7.xml><?xml version="1.0" encoding="utf-8"?>
+<p:sld xmlns:a="http://schemas.openxmlformats.org/drawingml/2006/main" xmlns:r="http://schemas.openxmlformats.org/officeDocument/2006/relationships" xmlns:p="http://schemas.openxmlformats.org/presentationml/2006/main">
+  <p:cSld>
+    <p:spTree>
+      <p:nvGrpSpPr>
+        <p:cNvPr id="1" name=""/>
+        <p:cNvGrpSpPr/>
+        <p:nvPr/>
+      </p:nvGrpSpPr>
+      <p:grpSpPr>
+        <a:xfrm>
+          <a:off x="0" y="0"/>
+          <a:ext cx="0" cy="0"/>
+          <a:chOff x="0" y="0"/>
+          <a:chExt cx="0" cy="0"/>
+        </a:xfrm>
+      </p:grpSpPr>
+      <p:sp>
+        <p:nvSpPr>
           <p:cNvPr id="2" name="Title 1">
             <a:extLst>
               <a:ext uri="{FF2B5EF4-FFF2-40B4-BE49-F238E27FC236}">
@@ -4843,7 +5078,7 @@
 </p:sld>
 </file>
 
-<file path=ppt/slides/slide7.xml><?xml version="1.0" encoding="utf-8"?>
+<file path=ppt/slides/slide8.xml><?xml version="1.0" encoding="utf-8"?>
 <p:sld xmlns:a="http://schemas.openxmlformats.org/drawingml/2006/main" xmlns:r="http://schemas.openxmlformats.org/officeDocument/2006/relationships" xmlns:p="http://schemas.openxmlformats.org/presentationml/2006/main">
   <p:cSld>
     <p:spTree>
@@ -5316,189 +5551,6 @@
 </p:sld>
 </file>
 
-<file path=ppt/slides/slide8.xml><?xml version="1.0" encoding="utf-8"?>
-<p:sld xmlns:a="http://schemas.openxmlformats.org/drawingml/2006/main" xmlns:r="http://schemas.openxmlformats.org/officeDocument/2006/relationships" xmlns:p="http://schemas.openxmlformats.org/presentationml/2006/main">
-  <p:cSld>
-    <p:spTree>
-      <p:nvGrpSpPr>
-        <p:cNvPr id="1" name=""/>
-        <p:cNvGrpSpPr/>
-        <p:nvPr/>
-      </p:nvGrpSpPr>
-      <p:grpSpPr>
-        <a:xfrm>
-          <a:off x="0" y="0"/>
-          <a:ext cx="0" cy="0"/>
-          <a:chOff x="0" y="0"/>
-          <a:chExt cx="0" cy="0"/>
-        </a:xfrm>
-      </p:grpSpPr>
-      <p:sp>
-        <p:nvSpPr>
-          <p:cNvPr id="2" name="Title 1">
-            <a:extLst>
-              <a:ext uri="{FF2B5EF4-FFF2-40B4-BE49-F238E27FC236}">
-                <a16:creationId xmlns:a16="http://schemas.microsoft.com/office/drawing/2014/main" id="{25495C99-7AF0-024E-A07B-F93D465963CE}"/>
-              </a:ext>
-            </a:extLst>
-          </p:cNvPr>
-          <p:cNvSpPr>
-            <a:spLocks noGrp="1"/>
-          </p:cNvSpPr>
-          <p:nvPr>
-            <p:ph type="title"/>
-          </p:nvPr>
-        </p:nvSpPr>
-        <p:spPr/>
-        <p:txBody>
-          <a:bodyPr/>
-          <a:lstStyle/>
-          <a:p>
-            <a:r>
-              <a:rPr lang="en-US" dirty="0"/>
-              <a:t>How does information fit?</a:t>
-            </a:r>
-          </a:p>
-        </p:txBody>
-      </p:sp>
-      <p:sp>
-        <p:nvSpPr>
-          <p:cNvPr id="3" name="Rectangle 2">
-            <a:extLst>
-              <a:ext uri="{FF2B5EF4-FFF2-40B4-BE49-F238E27FC236}">
-                <a16:creationId xmlns:a16="http://schemas.microsoft.com/office/drawing/2014/main" id="{C9879315-6B39-A641-9ADF-8E2FDEEC41FC}"/>
-              </a:ext>
-            </a:extLst>
-          </p:cNvPr>
-          <p:cNvSpPr/>
-          <p:nvPr/>
-        </p:nvSpPr>
-        <p:spPr>
-          <a:xfrm>
-            <a:off x="4854576" y="2620962"/>
-            <a:ext cx="13700124" cy="3046988"/>
-          </a:xfrm>
-          <a:prstGeom prst="rect">
-            <a:avLst/>
-          </a:prstGeom>
-        </p:spPr>
-        <p:txBody>
-          <a:bodyPr wrap="square">
-            <a:spAutoFit/>
-          </a:bodyPr>
-          <a:lstStyle/>
-          <a:p>
-            <a:r>
-              <a:rPr lang="en-US" sz="3200" dirty="0">
-                <a:solidFill>
-                  <a:srgbClr val="000000"/>
-                </a:solidFill>
-                <a:latin typeface="Arial" panose="020B0604020202020204" pitchFamily="34" charset="0"/>
-                <a:cs typeface="Arial" panose="020B0604020202020204" pitchFamily="34" charset="0"/>
-              </a:rPr>
-              <a:t>In a strategic or overall management context, information is used to </a:t>
-            </a:r>
-            <a:r>
-              <a:rPr lang="en-US" sz="3200" b="1" u="sng" dirty="0">
-                <a:solidFill>
-                  <a:srgbClr val="000000"/>
-                </a:solidFill>
-                <a:latin typeface="Arial" panose="020B0604020202020204" pitchFamily="34" charset="0"/>
-                <a:cs typeface="Arial" panose="020B0604020202020204" pitchFamily="34" charset="0"/>
-              </a:rPr>
-              <a:t>change</a:t>
-            </a:r>
-            <a:r>
-              <a:rPr lang="en-US" sz="3200" dirty="0">
-                <a:solidFill>
-                  <a:srgbClr val="000000"/>
-                </a:solidFill>
-                <a:latin typeface="Arial" panose="020B0604020202020204" pitchFamily="34" charset="0"/>
-                <a:cs typeface="Arial" panose="020B0604020202020204" pitchFamily="34" charset="0"/>
-              </a:rPr>
-              <a:t> and </a:t>
-            </a:r>
-            <a:r>
-              <a:rPr lang="en-US" sz="3200" b="1" u="sng" dirty="0">
-                <a:solidFill>
-                  <a:srgbClr val="000000"/>
-                </a:solidFill>
-                <a:latin typeface="Arial" panose="020B0604020202020204" pitchFamily="34" charset="0"/>
-                <a:cs typeface="Arial" panose="020B0604020202020204" pitchFamily="34" charset="0"/>
-              </a:rPr>
-              <a:t>coordinate</a:t>
-            </a:r>
-            <a:r>
-              <a:rPr lang="en-US" sz="3200" dirty="0">
-                <a:solidFill>
-                  <a:srgbClr val="000000"/>
-                </a:solidFill>
-                <a:latin typeface="Arial" panose="020B0604020202020204" pitchFamily="34" charset="0"/>
-                <a:cs typeface="Arial" panose="020B0604020202020204" pitchFamily="34" charset="0"/>
-              </a:rPr>
-              <a:t> business processes in the functional areas of the organization. The reason for our use of the word </a:t>
-            </a:r>
-            <a:r>
-              <a:rPr lang="en-US" sz="3200" i="1" dirty="0">
-                <a:solidFill>
-                  <a:srgbClr val="000000"/>
-                </a:solidFill>
-                <a:latin typeface="Arial" panose="020B0604020202020204" pitchFamily="34" charset="0"/>
-                <a:cs typeface="Arial" panose="020B0604020202020204" pitchFamily="34" charset="0"/>
-              </a:rPr>
-              <a:t>coordinate</a:t>
-            </a:r>
-            <a:r>
-              <a:rPr lang="en-US" sz="3200" dirty="0">
-                <a:solidFill>
-                  <a:srgbClr val="000000"/>
-                </a:solidFill>
-                <a:latin typeface="Arial" panose="020B0604020202020204" pitchFamily="34" charset="0"/>
-                <a:cs typeface="Arial" panose="020B0604020202020204" pitchFamily="34" charset="0"/>
-              </a:rPr>
-              <a:t> is that strategic management should not be seen as a number of serial actions, but rather as a number of </a:t>
-            </a:r>
-            <a:r>
-              <a:rPr lang="en-US" sz="3200" i="1" dirty="0">
-                <a:solidFill>
-                  <a:srgbClr val="000000"/>
-                </a:solidFill>
-                <a:latin typeface="Arial" panose="020B0604020202020204" pitchFamily="34" charset="0"/>
-                <a:cs typeface="Arial" panose="020B0604020202020204" pitchFamily="34" charset="0"/>
-              </a:rPr>
-              <a:t>parallel </a:t>
-            </a:r>
-            <a:r>
-              <a:rPr lang="en-US" sz="3200" dirty="0">
-                <a:solidFill>
-                  <a:srgbClr val="000000"/>
-                </a:solidFill>
-                <a:latin typeface="Arial" panose="020B0604020202020204" pitchFamily="34" charset="0"/>
-                <a:cs typeface="Arial" panose="020B0604020202020204" pitchFamily="34" charset="0"/>
-              </a:rPr>
-              <a:t>actions, in a number of departments, that must be coordinated.</a:t>
-            </a:r>
-            <a:endParaRPr lang="en-US" sz="3200" dirty="0">
-              <a:latin typeface="Arial" panose="020B0604020202020204" pitchFamily="34" charset="0"/>
-              <a:cs typeface="Arial" panose="020B0604020202020204" pitchFamily="34" charset="0"/>
-            </a:endParaRPr>
-          </a:p>
-        </p:txBody>
-      </p:sp>
-    </p:spTree>
-    <p:extLst>
-      <p:ext uri="{BB962C8B-B14F-4D97-AF65-F5344CB8AC3E}">
-        <p14:creationId xmlns:p14="http://schemas.microsoft.com/office/powerpoint/2010/main" val="757017371"/>
-      </p:ext>
-    </p:extLst>
-  </p:cSld>
-  <p:clrMapOvr>
-    <a:masterClrMapping/>
-  </p:clrMapOvr>
-  <p:transition/>
-</p:sld>
-</file>
-
 <file path=ppt/slides/slide9.xml><?xml version="1.0" encoding="utf-8"?>
 <p:sld xmlns:a="http://schemas.openxmlformats.org/drawingml/2006/main" xmlns:r="http://schemas.openxmlformats.org/officeDocument/2006/relationships" xmlns:p="http://schemas.openxmlformats.org/presentationml/2006/main">
   <p:cSld>
@@ -5518,10 +5570,38 @@
       </p:grpSpPr>
       <p:sp>
         <p:nvSpPr>
+          <p:cNvPr id="2" name="Title 1">
+            <a:extLst>
+              <a:ext uri="{FF2B5EF4-FFF2-40B4-BE49-F238E27FC236}">
+                <a16:creationId xmlns:a16="http://schemas.microsoft.com/office/drawing/2014/main" id="{25495C99-7AF0-024E-A07B-F93D465963CE}"/>
+              </a:ext>
+            </a:extLst>
+          </p:cNvPr>
+          <p:cNvSpPr>
+            <a:spLocks noGrp="1"/>
+          </p:cNvSpPr>
+          <p:nvPr>
+            <p:ph type="title"/>
+          </p:nvPr>
+        </p:nvSpPr>
+        <p:spPr/>
+        <p:txBody>
+          <a:bodyPr/>
+          <a:lstStyle/>
+          <a:p>
+            <a:r>
+              <a:rPr lang="en-US" dirty="0"/>
+              <a:t>How does information fit?</a:t>
+            </a:r>
+          </a:p>
+        </p:txBody>
+      </p:sp>
+      <p:sp>
+        <p:nvSpPr>
           <p:cNvPr id="3" name="Rectangle 2">
             <a:extLst>
               <a:ext uri="{FF2B5EF4-FFF2-40B4-BE49-F238E27FC236}">
-                <a16:creationId xmlns:a16="http://schemas.microsoft.com/office/drawing/2014/main" id="{B1579505-889B-1D41-94D7-31EECEB260E6}"/>
+                <a16:creationId xmlns:a16="http://schemas.microsoft.com/office/drawing/2014/main" id="{C9879315-6B39-A641-9ADF-8E2FDEEC41FC}"/>
               </a:ext>
             </a:extLst>
           </p:cNvPr>
@@ -5530,8 +5610,8 @@
         </p:nvSpPr>
         <p:spPr>
           <a:xfrm>
-            <a:off x="3932237" y="563562"/>
-            <a:ext cx="17435224" cy="1200329"/>
+            <a:off x="4854576" y="2620962"/>
+            <a:ext cx="13700124" cy="3046988"/>
           </a:xfrm>
           <a:prstGeom prst="rect">
             <a:avLst/>
@@ -5544,16 +5624,96 @@
           <a:lstStyle/>
           <a:p>
             <a:r>
-              <a:rPr lang="en-US" sz="3600" dirty="0">
+              <a:rPr lang="en-US" sz="3200" dirty="0">
                 <a:solidFill>
                   <a:srgbClr val="000000"/>
                 </a:solidFill>
                 <a:latin typeface="Arial" panose="020B0604020202020204" pitchFamily="34" charset="0"/>
                 <a:cs typeface="Arial" panose="020B0604020202020204" pitchFamily="34" charset="0"/>
               </a:rPr>
-              <a:t>It is essential to coordinate the activities in the organization so that they are all moving in the same direction</a:t>
-            </a:r>
-            <a:endParaRPr lang="en-US" sz="3600" dirty="0">
+              <a:t>In a strategic or overall management context, information is used to </a:t>
+            </a:r>
+            <a:r>
+              <a:rPr lang="en-US" sz="3200" b="1" u="sng" dirty="0">
+                <a:solidFill>
+                  <a:srgbClr val="000000"/>
+                </a:solidFill>
+                <a:latin typeface="Arial" panose="020B0604020202020204" pitchFamily="34" charset="0"/>
+                <a:cs typeface="Arial" panose="020B0604020202020204" pitchFamily="34" charset="0"/>
+              </a:rPr>
+              <a:t>change</a:t>
+            </a:r>
+            <a:r>
+              <a:rPr lang="en-US" sz="3200" dirty="0">
+                <a:solidFill>
+                  <a:srgbClr val="000000"/>
+                </a:solidFill>
+                <a:latin typeface="Arial" panose="020B0604020202020204" pitchFamily="34" charset="0"/>
+                <a:cs typeface="Arial" panose="020B0604020202020204" pitchFamily="34" charset="0"/>
+              </a:rPr>
+              <a:t> and </a:t>
+            </a:r>
+            <a:r>
+              <a:rPr lang="en-US" sz="3200" b="1" u="sng" dirty="0">
+                <a:solidFill>
+                  <a:srgbClr val="000000"/>
+                </a:solidFill>
+                <a:latin typeface="Arial" panose="020B0604020202020204" pitchFamily="34" charset="0"/>
+                <a:cs typeface="Arial" panose="020B0604020202020204" pitchFamily="34" charset="0"/>
+              </a:rPr>
+              <a:t>coordinate</a:t>
+            </a:r>
+            <a:r>
+              <a:rPr lang="en-US" sz="3200" dirty="0">
+                <a:solidFill>
+                  <a:srgbClr val="000000"/>
+                </a:solidFill>
+                <a:latin typeface="Arial" panose="020B0604020202020204" pitchFamily="34" charset="0"/>
+                <a:cs typeface="Arial" panose="020B0604020202020204" pitchFamily="34" charset="0"/>
+              </a:rPr>
+              <a:t> business processes in the functional areas of the organization. The reason for our use of the word </a:t>
+            </a:r>
+            <a:r>
+              <a:rPr lang="en-US" sz="3200" i="1" dirty="0">
+                <a:solidFill>
+                  <a:srgbClr val="000000"/>
+                </a:solidFill>
+                <a:latin typeface="Arial" panose="020B0604020202020204" pitchFamily="34" charset="0"/>
+                <a:cs typeface="Arial" panose="020B0604020202020204" pitchFamily="34" charset="0"/>
+              </a:rPr>
+              <a:t>coordinate</a:t>
+            </a:r>
+            <a:r>
+              <a:rPr lang="en-US" sz="3200" dirty="0">
+                <a:solidFill>
+                  <a:srgbClr val="000000"/>
+                </a:solidFill>
+                <a:latin typeface="Arial" panose="020B0604020202020204" pitchFamily="34" charset="0"/>
+                <a:cs typeface="Arial" panose="020B0604020202020204" pitchFamily="34" charset="0"/>
+              </a:rPr>
+              <a:t> is that strategic management should not be seen as a number of serial actions, but rather as a number of </a:t>
+            </a:r>
+            <a:r>
+              <a:rPr lang="en-US" sz="3200" i="1" dirty="0">
+                <a:solidFill>
+                  <a:srgbClr val="000000"/>
+                </a:solidFill>
+                <a:latin typeface="Arial" panose="020B0604020202020204" pitchFamily="34" charset="0"/>
+                <a:cs typeface="Arial" panose="020B0604020202020204" pitchFamily="34" charset="0"/>
+              </a:rPr>
+              <a:t>parallel </a:t>
+            </a:r>
+            <a:r>
+              <a:rPr lang="en-US" sz="3200" dirty="0">
+                <a:solidFill>
+                  <a:srgbClr val="000000"/>
+                </a:solidFill>
+                <a:latin typeface="Arial" panose="020B0604020202020204" pitchFamily="34" charset="0"/>
+                <a:cs typeface="Arial" panose="020B0604020202020204" pitchFamily="34" charset="0"/>
+              </a:rPr>
+              <a:t>actions, in a number of departments, that must be coordinated.</a:t>
+            </a:r>
+            <a:endParaRPr lang="en-US" sz="3200" dirty="0">
               <a:latin typeface="Arial" panose="020B0604020202020204" pitchFamily="34" charset="0"/>
               <a:cs typeface="Arial" panose="020B0604020202020204" pitchFamily="34" charset="0"/>
             </a:endParaRPr>
@@ -5563,7 +5723,7 @@
     </p:spTree>
     <p:extLst>
       <p:ext uri="{BB962C8B-B14F-4D97-AF65-F5344CB8AC3E}">
-        <p14:creationId xmlns:p14="http://schemas.microsoft.com/office/powerpoint/2010/main" val="4034015134"/>
+        <p14:creationId xmlns:p14="http://schemas.microsoft.com/office/powerpoint/2010/main" val="757017371"/>
       </p:ext>
     </p:extLst>
   </p:cSld>
